--- a/product_pres.pptx
+++ b/product_pres.pptx
@@ -110,6 +110,11 @@
       </a:defRPr>
     </a:lvl9pPr>
   </p:defaultTextStyle>
+  <p:extLst>
+    <p:ext uri="{EFAFB233-063F-42B5-8137-9DF3F51BA10A}">
+      <p15:sldGuideLst xmlns:p15="http://schemas.microsoft.com/office/powerpoint/2012/main"/>
+    </p:ext>
+  </p:extLst>
 </p:presentation>
 </file>
 
@@ -5780,7 +5785,7 @@
           <a:p>
             <a:r>
               <a:rPr lang="en-US" dirty="0"/>
-              <a:t>(Food Search App)</a:t>
+              <a:t>Bread &amp; Butter</a:t>
             </a:r>
           </a:p>
         </p:txBody>
@@ -6544,8 +6549,23 @@
           <a:p>
             <a:r>
               <a:rPr lang="en-US" dirty="0"/>
-              <a:t>(add stuff we would make app better with)</a:t>
-            </a:r>
+              <a:t>Compare to more stores and prices than just Walmart</a:t>
+            </a:r>
+          </a:p>
+          <a:p>
+            <a:endParaRPr lang="en-US" dirty="0"/>
+          </a:p>
+          <a:p>
+            <a:r>
+              <a:rPr lang="en-US" dirty="0"/>
+              <a:t>Gather average prices for all types of food items</a:t>
+            </a:r>
+          </a:p>
+          <a:p>
+            <a:endParaRPr lang="en-US" dirty="0"/>
+          </a:p>
+          <a:p>
+            <a:endParaRPr lang="en-US" dirty="0"/>
           </a:p>
         </p:txBody>
       </p:sp>
